--- a/umoxe_bubbles_paper/other_files/pics.pptx
+++ b/umoxe_bubbles_paper/other_files/pics.pptx
@@ -266,7 +266,7 @@
           <a:p>
             <a:fld id="{4B45AFAF-3FEA-8242-B763-32EB7C6E1D08}" type="datetimeFigureOut">
               <a:rPr lang="en-US" smtClean="0"/>
-              <a:t>6/24/19</a:t>
+              <a:t>10/23/19</a:t>
             </a:fld>
             <a:endParaRPr lang="en-US"/>
           </a:p>
@@ -464,7 +464,7 @@
           <a:p>
             <a:fld id="{4B45AFAF-3FEA-8242-B763-32EB7C6E1D08}" type="datetimeFigureOut">
               <a:rPr lang="en-US" smtClean="0"/>
-              <a:t>6/24/19</a:t>
+              <a:t>10/23/19</a:t>
             </a:fld>
             <a:endParaRPr lang="en-US"/>
           </a:p>
@@ -672,7 +672,7 @@
           <a:p>
             <a:fld id="{4B45AFAF-3FEA-8242-B763-32EB7C6E1D08}" type="datetimeFigureOut">
               <a:rPr lang="en-US" smtClean="0"/>
-              <a:t>6/24/19</a:t>
+              <a:t>10/23/19</a:t>
             </a:fld>
             <a:endParaRPr lang="en-US"/>
           </a:p>
@@ -870,7 +870,7 @@
           <a:p>
             <a:fld id="{4B45AFAF-3FEA-8242-B763-32EB7C6E1D08}" type="datetimeFigureOut">
               <a:rPr lang="en-US" smtClean="0"/>
-              <a:t>6/24/19</a:t>
+              <a:t>10/23/19</a:t>
             </a:fld>
             <a:endParaRPr lang="en-US"/>
           </a:p>
@@ -1145,7 +1145,7 @@
           <a:p>
             <a:fld id="{4B45AFAF-3FEA-8242-B763-32EB7C6E1D08}" type="datetimeFigureOut">
               <a:rPr lang="en-US" smtClean="0"/>
-              <a:t>6/24/19</a:t>
+              <a:t>10/23/19</a:t>
             </a:fld>
             <a:endParaRPr lang="en-US"/>
           </a:p>
@@ -1410,7 +1410,7 @@
           <a:p>
             <a:fld id="{4B45AFAF-3FEA-8242-B763-32EB7C6E1D08}" type="datetimeFigureOut">
               <a:rPr lang="en-US" smtClean="0"/>
-              <a:t>6/24/19</a:t>
+              <a:t>10/23/19</a:t>
             </a:fld>
             <a:endParaRPr lang="en-US"/>
           </a:p>
@@ -1822,7 +1822,7 @@
           <a:p>
             <a:fld id="{4B45AFAF-3FEA-8242-B763-32EB7C6E1D08}" type="datetimeFigureOut">
               <a:rPr lang="en-US" smtClean="0"/>
-              <a:t>6/24/19</a:t>
+              <a:t>10/23/19</a:t>
             </a:fld>
             <a:endParaRPr lang="en-US"/>
           </a:p>
@@ -1963,7 +1963,7 @@
           <a:p>
             <a:fld id="{4B45AFAF-3FEA-8242-B763-32EB7C6E1D08}" type="datetimeFigureOut">
               <a:rPr lang="en-US" smtClean="0"/>
-              <a:t>6/24/19</a:t>
+              <a:t>10/23/19</a:t>
             </a:fld>
             <a:endParaRPr lang="en-US"/>
           </a:p>
@@ -2076,7 +2076,7 @@
           <a:p>
             <a:fld id="{4B45AFAF-3FEA-8242-B763-32EB7C6E1D08}" type="datetimeFigureOut">
               <a:rPr lang="en-US" smtClean="0"/>
-              <a:t>6/24/19</a:t>
+              <a:t>10/23/19</a:t>
             </a:fld>
             <a:endParaRPr lang="en-US"/>
           </a:p>
@@ -2387,7 +2387,7 @@
           <a:p>
             <a:fld id="{4B45AFAF-3FEA-8242-B763-32EB7C6E1D08}" type="datetimeFigureOut">
               <a:rPr lang="en-US" smtClean="0"/>
-              <a:t>6/24/19</a:t>
+              <a:t>10/23/19</a:t>
             </a:fld>
             <a:endParaRPr lang="en-US"/>
           </a:p>
@@ -2675,7 +2675,7 @@
           <a:p>
             <a:fld id="{4B45AFAF-3FEA-8242-B763-32EB7C6E1D08}" type="datetimeFigureOut">
               <a:rPr lang="en-US" smtClean="0"/>
-              <a:t>6/24/19</a:t>
+              <a:t>10/23/19</a:t>
             </a:fld>
             <a:endParaRPr lang="en-US"/>
           </a:p>
@@ -2916,7 +2916,7 @@
           <a:p>
             <a:fld id="{4B45AFAF-3FEA-8242-B763-32EB7C6E1D08}" type="datetimeFigureOut">
               <a:rPr lang="en-US" smtClean="0"/>
-              <a:t>6/24/19</a:t>
+              <a:t>10/23/19</a:t>
             </a:fld>
             <a:endParaRPr lang="en-US"/>
           </a:p>
@@ -3515,10 +3515,10 @@
       </p:grpSpPr>
       <p:pic>
         <p:nvPicPr>
-          <p:cNvPr id="7" name="Picture 6">
-            <a:extLst>
-              <a:ext uri="{FF2B5EF4-FFF2-40B4-BE49-F238E27FC236}">
-                <a16:creationId xmlns:a16="http://schemas.microsoft.com/office/drawing/2014/main" id="{8A13ACA5-E580-F446-AE24-0B5B2427FECB}"/>
+          <p:cNvPr id="2" name="Picture 1">
+            <a:extLst>
+              <a:ext uri="{FF2B5EF4-FFF2-40B4-BE49-F238E27FC236}">
+                <a16:creationId xmlns:a16="http://schemas.microsoft.com/office/drawing/2014/main" id="{C0795974-6A64-3240-9167-23F120488457}"/>
               </a:ext>
             </a:extLst>
           </p:cNvPr>
@@ -3535,8 +3535,8 @@
         </p:blipFill>
         <p:spPr>
           <a:xfrm>
-            <a:off x="2727198" y="478409"/>
-            <a:ext cx="7587234" cy="5901182"/>
+            <a:off x="3030570" y="1049100"/>
+            <a:ext cx="6512263" cy="5065094"/>
           </a:xfrm>
           <a:prstGeom prst="rect">
             <a:avLst/>
